--- a/Project_powerpoint.pptx
+++ b/Project_powerpoint.pptx
@@ -3910,7 +3910,7 @@
                 </a:solidFill>
                 <a:hlinkClick r:id="rId3"/>
               </a:rPr>
-              <a:t>https://github.com/jacobw7140</a:t>
+              <a:t>https://github.com/ksu-is/password-strength-checker</a:t>
             </a:r>
             <a:endParaRPr lang="en-US" dirty="0">
               <a:solidFill>
